--- a/__LECTIONS/3/3_Classes.pptx
+++ b/__LECTIONS/3/3_Classes.pptx
@@ -882,7 +882,7 @@
           <a:p>
             <a:fld id="{86B58C0F-B107-447C-9930-417FE1FA4FE5}" type="datetimeFigureOut">
               <a:rPr lang="ru-RU" smtClean="0"/>
-              <a:t>29.06.2020</a:t>
+              <a:t>30.06.2020</a:t>
             </a:fld>
             <a:endParaRPr lang="ru-RU"/>
           </a:p>
@@ -1133,7 +1133,7 @@
           <a:p>
             <a:fld id="{86B58C0F-B107-447C-9930-417FE1FA4FE5}" type="datetimeFigureOut">
               <a:rPr lang="ru-RU" smtClean="0"/>
-              <a:t>29.06.2020</a:t>
+              <a:t>30.06.2020</a:t>
             </a:fld>
             <a:endParaRPr lang="ru-RU"/>
           </a:p>
@@ -1447,7 +1447,7 @@
           <a:p>
             <a:fld id="{86B58C0F-B107-447C-9930-417FE1FA4FE5}" type="datetimeFigureOut">
               <a:rPr lang="ru-RU" smtClean="0"/>
-              <a:t>29.06.2020</a:t>
+              <a:t>30.06.2020</a:t>
             </a:fld>
             <a:endParaRPr lang="ru-RU"/>
           </a:p>
@@ -1788,7 +1788,7 @@
           <a:p>
             <a:fld id="{86B58C0F-B107-447C-9930-417FE1FA4FE5}" type="datetimeFigureOut">
               <a:rPr lang="ru-RU" smtClean="0"/>
-              <a:t>29.06.2020</a:t>
+              <a:t>30.06.2020</a:t>
             </a:fld>
             <a:endParaRPr lang="ru-RU"/>
           </a:p>
@@ -2102,7 +2102,7 @@
           <a:p>
             <a:fld id="{86B58C0F-B107-447C-9930-417FE1FA4FE5}" type="datetimeFigureOut">
               <a:rPr lang="ru-RU" smtClean="0"/>
-              <a:t>29.06.2020</a:t>
+              <a:t>30.06.2020</a:t>
             </a:fld>
             <a:endParaRPr lang="ru-RU"/>
           </a:p>
@@ -2495,7 +2495,7 @@
           <a:p>
             <a:fld id="{86B58C0F-B107-447C-9930-417FE1FA4FE5}" type="datetimeFigureOut">
               <a:rPr lang="ru-RU" smtClean="0"/>
-              <a:t>29.06.2020</a:t>
+              <a:t>30.06.2020</a:t>
             </a:fld>
             <a:endParaRPr lang="ru-RU"/>
           </a:p>
@@ -2665,7 +2665,7 @@
           <a:p>
             <a:fld id="{86B58C0F-B107-447C-9930-417FE1FA4FE5}" type="datetimeFigureOut">
               <a:rPr lang="ru-RU" smtClean="0"/>
-              <a:t>29.06.2020</a:t>
+              <a:t>30.06.2020</a:t>
             </a:fld>
             <a:endParaRPr lang="ru-RU"/>
           </a:p>
@@ -2845,7 +2845,7 @@
           <a:p>
             <a:fld id="{86B58C0F-B107-447C-9930-417FE1FA4FE5}" type="datetimeFigureOut">
               <a:rPr lang="ru-RU" smtClean="0"/>
-              <a:t>29.06.2020</a:t>
+              <a:t>30.06.2020</a:t>
             </a:fld>
             <a:endParaRPr lang="ru-RU"/>
           </a:p>
@@ -3021,7 +3021,7 @@
           <a:p>
             <a:fld id="{86B58C0F-B107-447C-9930-417FE1FA4FE5}" type="datetimeFigureOut">
               <a:rPr lang="ru-RU" smtClean="0"/>
-              <a:t>29.06.2020</a:t>
+              <a:t>30.06.2020</a:t>
             </a:fld>
             <a:endParaRPr lang="ru-RU"/>
           </a:p>
@@ -3268,7 +3268,7 @@
           <a:p>
             <a:fld id="{86B58C0F-B107-447C-9930-417FE1FA4FE5}" type="datetimeFigureOut">
               <a:rPr lang="ru-RU" smtClean="0"/>
-              <a:t>29.06.2020</a:t>
+              <a:t>30.06.2020</a:t>
             </a:fld>
             <a:endParaRPr lang="ru-RU"/>
           </a:p>
@@ -3500,7 +3500,7 @@
           <a:p>
             <a:fld id="{86B58C0F-B107-447C-9930-417FE1FA4FE5}" type="datetimeFigureOut">
               <a:rPr lang="ru-RU" smtClean="0"/>
-              <a:t>29.06.2020</a:t>
+              <a:t>30.06.2020</a:t>
             </a:fld>
             <a:endParaRPr lang="ru-RU"/>
           </a:p>
@@ -3874,7 +3874,7 @@
           <a:p>
             <a:fld id="{86B58C0F-B107-447C-9930-417FE1FA4FE5}" type="datetimeFigureOut">
               <a:rPr lang="ru-RU" smtClean="0"/>
-              <a:t>29.06.2020</a:t>
+              <a:t>30.06.2020</a:t>
             </a:fld>
             <a:endParaRPr lang="ru-RU"/>
           </a:p>
@@ -3997,7 +3997,7 @@
           <a:p>
             <a:fld id="{86B58C0F-B107-447C-9930-417FE1FA4FE5}" type="datetimeFigureOut">
               <a:rPr lang="ru-RU" smtClean="0"/>
-              <a:t>29.06.2020</a:t>
+              <a:t>30.06.2020</a:t>
             </a:fld>
             <a:endParaRPr lang="ru-RU"/>
           </a:p>
@@ -4092,7 +4092,7 @@
           <a:p>
             <a:fld id="{86B58C0F-B107-447C-9930-417FE1FA4FE5}" type="datetimeFigureOut">
               <a:rPr lang="ru-RU" smtClean="0"/>
-              <a:t>29.06.2020</a:t>
+              <a:t>30.06.2020</a:t>
             </a:fld>
             <a:endParaRPr lang="ru-RU"/>
           </a:p>
@@ -4347,7 +4347,7 @@
           <a:p>
             <a:fld id="{86B58C0F-B107-447C-9930-417FE1FA4FE5}" type="datetimeFigureOut">
               <a:rPr lang="ru-RU" smtClean="0"/>
-              <a:t>29.06.2020</a:t>
+              <a:t>30.06.2020</a:t>
             </a:fld>
             <a:endParaRPr lang="ru-RU"/>
           </a:p>
@@ -4610,7 +4610,7 @@
           <a:p>
             <a:fld id="{86B58C0F-B107-447C-9930-417FE1FA4FE5}" type="datetimeFigureOut">
               <a:rPr lang="ru-RU" smtClean="0"/>
-              <a:t>29.06.2020</a:t>
+              <a:t>30.06.2020</a:t>
             </a:fld>
             <a:endParaRPr lang="ru-RU"/>
           </a:p>
@@ -5353,7 +5353,7 @@
           <a:p>
             <a:fld id="{86B58C0F-B107-447C-9930-417FE1FA4FE5}" type="datetimeFigureOut">
               <a:rPr lang="ru-RU" smtClean="0"/>
-              <a:t>29.06.2020</a:t>
+              <a:t>30.06.2020</a:t>
             </a:fld>
             <a:endParaRPr lang="ru-RU"/>
           </a:p>
@@ -18392,19 +18392,11 @@
           <a:p>
             <a:r>
               <a:rPr lang="ru-RU" dirty="0" smtClean="0"/>
-              <a:t>Не </a:t>
-            </a:r>
-            <a:r>
-              <a:rPr lang="ru-RU" dirty="0" smtClean="0"/>
-              <a:t>соблюдается </a:t>
+              <a:t>Не соблюдается </a:t>
             </a:r>
             <a:r>
               <a:rPr lang="en-US" dirty="0" smtClean="0"/>
-              <a:t>naming </a:t>
-            </a:r>
-            <a:r>
-              <a:rPr lang="en-US" dirty="0" smtClean="0"/>
-              <a:t>convention</a:t>
+              <a:t>naming convention</a:t>
             </a:r>
             <a:endParaRPr lang="ru-RU" dirty="0" smtClean="0"/>
           </a:p>
